--- a/writing_literature_present/data_mgmt_final_presentation_agbim.pptx
+++ b/writing_literature_present/data_mgmt_final_presentation_agbim.pptx
@@ -29045,8 +29045,8 @@
           </p:nvCxnSpPr>
           <p:spPr>
             <a:xfrm>
-              <a:off x="8534400" y="2897356"/>
-              <a:ext cx="0" cy="3182602"/>
+              <a:off x="8534400" y="3079877"/>
+              <a:ext cx="0" cy="3000081"/>
             </a:xfrm>
             <a:prstGeom prst="line">
               <a:avLst/>
@@ -29182,11 +29182,58 @@
                   <a:srgbClr val="F81B02"/>
                 </a:solidFill>
               </a:rPr>
-              <a:t>Median amount LMI people spend  on energy is 9% vs 4% Texas overall</a:t>
+              <a:t>Median amount LMI people spend  on energy is 9%</a:t>
+            </a:r>
+            <a:r>
+              <a:rPr lang="en-US" sz="3200" dirty="0">
+                <a:solidFill>
+                  <a:schemeClr val="tx1"/>
+                </a:solidFill>
+              </a:rPr>
+              <a:t> vs 4.5% Texas overall</a:t>
             </a:r>
           </a:p>
         </p:txBody>
       </p:sp>
+      <p:cxnSp>
+        <p:nvCxnSpPr>
+          <p:cNvPr id="9" name="Straight Connector 8">
+            <a:extLst>
+              <a:ext uri="{FF2B5EF4-FFF2-40B4-BE49-F238E27FC236}">
+                <a16:creationId xmlns:a16="http://schemas.microsoft.com/office/drawing/2014/main" id="{1B618B6E-97A0-4413-A10B-C2CB74DE0C50}"/>
+              </a:ext>
+            </a:extLst>
+          </p:cNvPr>
+          <p:cNvCxnSpPr>
+            <a:cxnSpLocks/>
+          </p:cNvCxnSpPr>
+          <p:nvPr/>
+        </p:nvCxnSpPr>
+        <p:spPr>
+          <a:xfrm>
+            <a:off x="7676147" y="3079877"/>
+            <a:ext cx="0" cy="3000081"/>
+          </a:xfrm>
+          <a:prstGeom prst="line">
+            <a:avLst/>
+          </a:prstGeom>
+          <a:ln w="28575"/>
+        </p:spPr>
+        <p:style>
+          <a:lnRef idx="1">
+            <a:schemeClr val="dk1"/>
+          </a:lnRef>
+          <a:fillRef idx="0">
+            <a:schemeClr val="dk1"/>
+          </a:fillRef>
+          <a:effectRef idx="0">
+            <a:schemeClr val="dk1"/>
+          </a:effectRef>
+          <a:fontRef idx="minor">
+            <a:schemeClr val="tx1"/>
+          </a:fontRef>
+        </p:style>
+      </p:cxnSp>
     </p:spTree>
     <p:extLst>
       <p:ext uri="{BB962C8B-B14F-4D97-AF65-F5344CB8AC3E}">
@@ -34024,7 +34071,7 @@
           <a:p>
             <a:r>
               <a:rPr lang="en-US" sz="3200" dirty="0"/>
-              <a:t>Energy Burden</a:t>
+              <a:t>Energy burden: a measure of energy poverty</a:t>
             </a:r>
           </a:p>
         </p:txBody>
@@ -34060,7 +34107,13 @@
           <a:p>
             <a:r>
               <a:rPr lang="en-US" sz="2400" dirty="0"/>
-              <a:t>Energy burden </a:t>
+              <a:t>Energy burden=%income spent on energy</a:t>
+            </a:r>
+          </a:p>
+          <a:p>
+            <a:r>
+              <a:rPr lang="en-US" sz="2400" dirty="0"/>
+              <a:t>In U.S. literature is newer ~2010. Still focused on energy burden</a:t>
             </a:r>
           </a:p>
           <a:p>
@@ -34081,12 +34134,6 @@
             <a:r>
               <a:rPr lang="en-US" sz="2400" dirty="0"/>
               <a:t>Critiques: doesn’t account for regional difference, socio economic and behavioral characteristics</a:t>
-            </a:r>
-          </a:p>
-          <a:p>
-            <a:r>
-              <a:rPr lang="en-US" sz="2400" dirty="0"/>
-              <a:t>In U.S. literature is newer ~2010. Still focused on energy burden</a:t>
             </a:r>
           </a:p>
         </p:txBody>
@@ -35723,8 +35770,8 @@
         </p:nvSpPr>
         <p:spPr>
           <a:xfrm>
-            <a:off x="240088" y="826963"/>
-            <a:ext cx="4643103" cy="4737146"/>
+            <a:off x="241210" y="457227"/>
+            <a:ext cx="4685329" cy="5858426"/>
           </a:xfrm>
           <a:prstGeom prst="rect">
             <a:avLst/>
@@ -35732,7 +35779,7 @@
           <a:solidFill>
             <a:schemeClr val="bg1"/>
           </a:solidFill>
-          <a:ln>
+          <a:ln w="28575">
             <a:solidFill>
               <a:srgbClr val="F81B02"/>
             </a:solidFill>
@@ -36010,6 +36057,22 @@
                 </a:solidFill>
                 <a:latin typeface="+mj-lt"/>
               </a:rPr>
+              <a:t>Inadequate policy programs:</a:t>
+            </a:r>
+          </a:p>
+          <a:p>
+            <a:pPr marL="742950" lvl="1" indent="-285750" algn="l">
+              <a:buClrTx/>
+              <a:buFont typeface="Arial" panose="020B0604020202020204" pitchFamily="34" charset="0"/>
+              <a:buChar char="•"/>
+            </a:pPr>
+            <a:r>
+              <a:rPr lang="en-US" sz="2400" dirty="0">
+                <a:solidFill>
+                  <a:schemeClr val="tx1"/>
+                </a:solidFill>
+                <a:latin typeface="+mj-lt"/>
+              </a:rPr>
               <a:t>LITE UP Texas ended 2018</a:t>
             </a:r>
           </a:p>
@@ -36061,6 +36124,40 @@
                 <a:latin typeface="+mj-lt"/>
               </a:rPr>
               <a:t>Energy efficiency continues to dominate literature in U.S.</a:t>
+            </a:r>
+          </a:p>
+          <a:p>
+            <a:pPr marL="285750" indent="-285750" algn="l">
+              <a:buClrTx/>
+              <a:buFont typeface="Arial" panose="020B0604020202020204" pitchFamily="34" charset="0"/>
+              <a:buChar char="•"/>
+            </a:pPr>
+            <a:r>
+              <a:rPr lang="en-US" sz="2400" dirty="0">
+                <a:solidFill>
+                  <a:schemeClr val="tx1"/>
+                </a:solidFill>
+                <a:latin typeface="+mj-lt"/>
+              </a:rPr>
+              <a:t>Qualitative report shows ~18% of income spent on energy in </a:t>
+            </a:r>
+            <a:r>
+              <a:rPr lang="en-US" sz="2400" dirty="0" err="1">
+                <a:solidFill>
+                  <a:schemeClr val="tx1"/>
+                </a:solidFill>
+                <a:latin typeface="+mj-lt"/>
+              </a:rPr>
+              <a:t>Colonias</a:t>
+            </a:r>
+            <a:r>
+              <a:rPr lang="en-US" sz="2400" dirty="0">
+                <a:solidFill>
+                  <a:schemeClr val="tx1"/>
+                </a:solidFill>
+                <a:latin typeface="+mj-lt"/>
+              </a:rPr>
+              <a:t> (Olmedo, 2014)</a:t>
             </a:r>
           </a:p>
         </p:txBody>
@@ -46123,7 +46220,7 @@
           <p:nvPr>
             <p:extLst>
               <p:ext uri="{D42A27DB-BD31-4B8C-83A1-F6EECF244321}">
-                <p14:modId xmlns:p14="http://schemas.microsoft.com/office/powerpoint/2010/main" val="2893972332"/>
+                <p14:modId xmlns:p14="http://schemas.microsoft.com/office/powerpoint/2010/main" val="2458309198"/>
               </p:ext>
             </p:extLst>
           </p:nvPr>
@@ -48008,7 +48105,7 @@
                           <a:ea typeface="Calibri" panose="020F0502020204030204" pitchFamily="34" charset="0"/>
                           <a:cs typeface="Times New Roman" panose="02020603050405020304" pitchFamily="18" charset="0"/>
                         </a:rPr>
-                        <a:t>SAME</a:t>
+                        <a:t>US Census</a:t>
                       </a:r>
                     </a:p>
                   </a:txBody>
